--- a/Chemical/Resources/Documentation/Modelica2025-presentation.pptx
+++ b/Chemical/Resources/Documentation/Modelica2025-presentation.pptx
@@ -19,14 +19,15 @@
     <p:sldId id="281" r:id="rId13"/>
     <p:sldId id="285" r:id="rId14"/>
     <p:sldId id="286" r:id="rId15"/>
-    <p:sldId id="276" r:id="rId16"/>
-    <p:sldId id="282" r:id="rId17"/>
+    <p:sldId id="282" r:id="rId16"/>
+    <p:sldId id="278" r:id="rId17"/>
     <p:sldId id="277" r:id="rId18"/>
     <p:sldId id="283" r:id="rId19"/>
     <p:sldId id="284" r:id="rId20"/>
     <p:sldId id="287" r:id="rId21"/>
-    <p:sldId id="278" r:id="rId22"/>
-    <p:sldId id="279" r:id="rId23"/>
+    <p:sldId id="276" r:id="rId22"/>
+    <p:sldId id="288" r:id="rId23"/>
+    <p:sldId id="279" r:id="rId24"/>
   </p:sldIdLst>
   <p:sldSz cx="12192000" cy="6858000"/>
   <p:notesSz cx="6858000" cy="9144000"/>
@@ -292,7 +293,7 @@
           <a:p>
             <a:fld id="{23CE0051-D946-4C96-9686-8FA6C8D4FC9B}" type="datetimeFigureOut">
               <a:rPr lang="de-DE" smtClean="0"/>
-              <a:t>03.09.2025</a:t>
+              <a:t>06.09.2025</a:t>
             </a:fld>
             <a:endParaRPr lang="de-DE"/>
           </a:p>
@@ -490,7 +491,7 @@
           <a:p>
             <a:fld id="{23CE0051-D946-4C96-9686-8FA6C8D4FC9B}" type="datetimeFigureOut">
               <a:rPr lang="de-DE" smtClean="0"/>
-              <a:t>03.09.2025</a:t>
+              <a:t>06.09.2025</a:t>
             </a:fld>
             <a:endParaRPr lang="de-DE"/>
           </a:p>
@@ -698,7 +699,7 @@
           <a:p>
             <a:fld id="{23CE0051-D946-4C96-9686-8FA6C8D4FC9B}" type="datetimeFigureOut">
               <a:rPr lang="de-DE" smtClean="0"/>
-              <a:t>03.09.2025</a:t>
+              <a:t>06.09.2025</a:t>
             </a:fld>
             <a:endParaRPr lang="de-DE"/>
           </a:p>
@@ -896,7 +897,7 @@
           <a:p>
             <a:fld id="{23CE0051-D946-4C96-9686-8FA6C8D4FC9B}" type="datetimeFigureOut">
               <a:rPr lang="de-DE" smtClean="0"/>
-              <a:t>03.09.2025</a:t>
+              <a:t>06.09.2025</a:t>
             </a:fld>
             <a:endParaRPr lang="de-DE"/>
           </a:p>
@@ -1171,7 +1172,7 @@
           <a:p>
             <a:fld id="{23CE0051-D946-4C96-9686-8FA6C8D4FC9B}" type="datetimeFigureOut">
               <a:rPr lang="de-DE" smtClean="0"/>
-              <a:t>03.09.2025</a:t>
+              <a:t>06.09.2025</a:t>
             </a:fld>
             <a:endParaRPr lang="de-DE"/>
           </a:p>
@@ -1436,7 +1437,7 @@
           <a:p>
             <a:fld id="{23CE0051-D946-4C96-9686-8FA6C8D4FC9B}" type="datetimeFigureOut">
               <a:rPr lang="de-DE" smtClean="0"/>
-              <a:t>03.09.2025</a:t>
+              <a:t>06.09.2025</a:t>
             </a:fld>
             <a:endParaRPr lang="de-DE"/>
           </a:p>
@@ -1848,7 +1849,7 @@
           <a:p>
             <a:fld id="{23CE0051-D946-4C96-9686-8FA6C8D4FC9B}" type="datetimeFigureOut">
               <a:rPr lang="de-DE" smtClean="0"/>
-              <a:t>03.09.2025</a:t>
+              <a:t>06.09.2025</a:t>
             </a:fld>
             <a:endParaRPr lang="de-DE"/>
           </a:p>
@@ -1989,7 +1990,7 @@
           <a:p>
             <a:fld id="{23CE0051-D946-4C96-9686-8FA6C8D4FC9B}" type="datetimeFigureOut">
               <a:rPr lang="de-DE" smtClean="0"/>
-              <a:t>03.09.2025</a:t>
+              <a:t>06.09.2025</a:t>
             </a:fld>
             <a:endParaRPr lang="de-DE"/>
           </a:p>
@@ -2102,7 +2103,7 @@
           <a:p>
             <a:fld id="{23CE0051-D946-4C96-9686-8FA6C8D4FC9B}" type="datetimeFigureOut">
               <a:rPr lang="de-DE" smtClean="0"/>
-              <a:t>03.09.2025</a:t>
+              <a:t>06.09.2025</a:t>
             </a:fld>
             <a:endParaRPr lang="de-DE"/>
           </a:p>
@@ -2413,7 +2414,7 @@
           <a:p>
             <a:fld id="{23CE0051-D946-4C96-9686-8FA6C8D4FC9B}" type="datetimeFigureOut">
               <a:rPr lang="de-DE" smtClean="0"/>
-              <a:t>03.09.2025</a:t>
+              <a:t>06.09.2025</a:t>
             </a:fld>
             <a:endParaRPr lang="de-DE"/>
           </a:p>
@@ -2701,7 +2702,7 @@
           <a:p>
             <a:fld id="{23CE0051-D946-4C96-9686-8FA6C8D4FC9B}" type="datetimeFigureOut">
               <a:rPr lang="de-DE" smtClean="0"/>
-              <a:t>03.09.2025</a:t>
+              <a:t>06.09.2025</a:t>
             </a:fld>
             <a:endParaRPr lang="de-DE"/>
           </a:p>
@@ -2942,7 +2943,7 @@
           <a:p>
             <a:fld id="{23CE0051-D946-4C96-9686-8FA6C8D4FC9B}" type="datetimeFigureOut">
               <a:rPr lang="de-DE" smtClean="0"/>
-              <a:t>03.09.2025</a:t>
+              <a:t>06.09.2025</a:t>
             </a:fld>
             <a:endParaRPr lang="de-DE"/>
           </a:p>
@@ -4519,7 +4520,7 @@
           <a:p>
             <a:r>
               <a:rPr lang="en-US" dirty="0"/>
-              <a:t>definition of next chemical substances</a:t>
+              <a:t>definition of substances/processes</a:t>
             </a:r>
           </a:p>
           <a:p>
@@ -4590,7 +4591,7 @@
             <a:pPr algn="ctr"/>
             <a:r>
               <a:rPr lang="en-US" dirty="0"/>
-              <a:t>Traditional potential difference function</a:t>
+              <a:t>Traditional chemical kinetics</a:t>
             </a:r>
           </a:p>
         </p:txBody>
@@ -5332,7 +5333,7 @@
         </p:blipFill>
         <p:spPr>
           <a:xfrm>
-            <a:off x="8077031" y="3344149"/>
+            <a:off x="8082645" y="3341425"/>
             <a:ext cx="3276768" cy="1924149"/>
           </a:xfrm>
           <a:prstGeom prst="rect">
@@ -5587,10 +5588,38 @@
       </p:grpSpPr>
       <p:sp>
         <p:nvSpPr>
-          <p:cNvPr id="25" name="Content Placeholder 24">
-            <a:extLst>
-              <a:ext uri="{FF2B5EF4-FFF2-40B4-BE49-F238E27FC236}">
-                <a16:creationId xmlns:a16="http://schemas.microsoft.com/office/drawing/2014/main" id="{C59F6F08-D090-46F3-8B0D-C70EEEBFFB37}"/>
+          <p:cNvPr id="2" name="Title 1">
+            <a:extLst>
+              <a:ext uri="{FF2B5EF4-FFF2-40B4-BE49-F238E27FC236}">
+                <a16:creationId xmlns:a16="http://schemas.microsoft.com/office/drawing/2014/main" id="{680F1AA7-AFB5-484E-9394-E06C173CC763}"/>
+              </a:ext>
+            </a:extLst>
+          </p:cNvPr>
+          <p:cNvSpPr>
+            <a:spLocks noGrp="1"/>
+          </p:cNvSpPr>
+          <p:nvPr>
+            <p:ph type="title"/>
+          </p:nvPr>
+        </p:nvSpPr>
+        <p:spPr/>
+        <p:txBody>
+          <a:bodyPr/>
+          <a:lstStyle/>
+          <a:p>
+            <a:r>
+              <a:rPr lang="en-US" dirty="0"/>
+              <a:t>Upgrade</a:t>
+            </a:r>
+          </a:p>
+        </p:txBody>
+      </p:sp>
+      <p:sp>
+        <p:nvSpPr>
+          <p:cNvPr id="3" name="Content Placeholder 2">
+            <a:extLst>
+              <a:ext uri="{FF2B5EF4-FFF2-40B4-BE49-F238E27FC236}">
+                <a16:creationId xmlns:a16="http://schemas.microsoft.com/office/drawing/2014/main" id="{F1A3EC41-C84B-4665-A526-5F639F33FBF2}"/>
               </a:ext>
             </a:extLst>
           </p:cNvPr>
@@ -5606,109 +5635,29 @@
           <a:bodyPr/>
           <a:lstStyle/>
           <a:p>
-            <a:endParaRPr lang="en-US" dirty="0"/>
-          </a:p>
-        </p:txBody>
-      </p:sp>
-      <p:sp>
-        <p:nvSpPr>
-          <p:cNvPr id="2" name="Title 1">
-            <a:extLst>
-              <a:ext uri="{FF2B5EF4-FFF2-40B4-BE49-F238E27FC236}">
-                <a16:creationId xmlns:a16="http://schemas.microsoft.com/office/drawing/2014/main" id="{EDBFF978-10D1-45A3-A1D9-6C4EC0FADC7C}"/>
-              </a:ext>
-            </a:extLst>
-          </p:cNvPr>
-          <p:cNvSpPr>
-            <a:spLocks noGrp="1"/>
-          </p:cNvSpPr>
-          <p:nvPr>
-            <p:ph type="title"/>
-          </p:nvPr>
-        </p:nvSpPr>
-        <p:spPr/>
-        <p:txBody>
-          <a:bodyPr/>
-          <a:lstStyle/>
-          <a:p>
-            <a:pPr algn="ctr"/>
             <a:r>
               <a:rPr lang="en-US" dirty="0"/>
-              <a:t>Chemical kinetics (Chemical 2.0)</a:t>
-            </a:r>
-          </a:p>
-        </p:txBody>
-      </p:sp>
-      <p:pic>
-        <p:nvPicPr>
-          <p:cNvPr id="23" name="Picture 22">
-            <a:extLst>
-              <a:ext uri="{FF2B5EF4-FFF2-40B4-BE49-F238E27FC236}">
-                <a16:creationId xmlns:a16="http://schemas.microsoft.com/office/drawing/2014/main" id="{DB8B5FC7-4848-4CFE-BF03-EA73E45F1D4F}"/>
-              </a:ext>
-            </a:extLst>
-          </p:cNvPr>
-          <p:cNvPicPr>
-            <a:picLocks noChangeAspect="1"/>
-          </p:cNvPicPr>
-          <p:nvPr/>
-        </p:nvPicPr>
-        <p:blipFill>
-          <a:blip r:embed="rId2">
-            <a:extLst>
-              <a:ext uri="{28A0092B-C50C-407E-A947-70E740481C1C}">
-                <a14:useLocalDpi xmlns:a14="http://schemas.microsoft.com/office/drawing/2010/main" val="0"/>
-              </a:ext>
-            </a:extLst>
-          </a:blip>
-          <a:stretch>
-            <a:fillRect/>
-          </a:stretch>
-        </p:blipFill>
-        <p:spPr>
-          <a:xfrm>
-            <a:off x="1447879" y="3971329"/>
-            <a:ext cx="9590314" cy="2059459"/>
-          </a:xfrm>
-          <a:prstGeom prst="rect">
-            <a:avLst/>
-          </a:prstGeom>
-        </p:spPr>
-      </p:pic>
-      <p:pic>
-        <p:nvPicPr>
-          <p:cNvPr id="27" name="Picture 26">
-            <a:extLst>
-              <a:ext uri="{FF2B5EF4-FFF2-40B4-BE49-F238E27FC236}">
-                <a16:creationId xmlns:a16="http://schemas.microsoft.com/office/drawing/2014/main" id="{06B6D088-801E-4AC9-9FF7-C187F3CC3E61}"/>
-              </a:ext>
-            </a:extLst>
-          </p:cNvPr>
-          <p:cNvPicPr>
-            <a:picLocks noChangeAspect="1"/>
-          </p:cNvPicPr>
-          <p:nvPr/>
-        </p:nvPicPr>
-        <p:blipFill>
-          <a:blip r:embed="rId3"/>
-          <a:stretch>
-            <a:fillRect/>
-          </a:stretch>
-        </p:blipFill>
-        <p:spPr>
-          <a:xfrm>
-            <a:off x="1447879" y="1879160"/>
-            <a:ext cx="8621328" cy="1019317"/>
-          </a:xfrm>
-          <a:prstGeom prst="rect">
-            <a:avLst/>
-          </a:prstGeom>
-        </p:spPr>
-      </p:pic>
+              <a:t>definition of substances/processes</a:t>
+            </a:r>
+          </a:p>
+          <a:p>
+            <a:r>
+              <a:rPr lang="en-US" dirty="0"/>
+              <a:t>chemical kinetics</a:t>
+            </a:r>
+          </a:p>
+          <a:p>
+            <a:r>
+              <a:rPr lang="en-US" b="1" dirty="0"/>
+              <a:t>support of chemical pathways</a:t>
+            </a:r>
+          </a:p>
+        </p:txBody>
+      </p:sp>
     </p:spTree>
     <p:extLst>
       <p:ext uri="{BB962C8B-B14F-4D97-AF65-F5344CB8AC3E}">
-        <p14:creationId xmlns:p14="http://schemas.microsoft.com/office/powerpoint/2010/main" val="4277758988"/>
+        <p14:creationId xmlns:p14="http://schemas.microsoft.com/office/powerpoint/2010/main" val="1584709444"/>
       </p:ext>
     </p:extLst>
   </p:cSld>
@@ -5735,12 +5684,47 @@
           <a:chExt cx="0" cy="0"/>
         </a:xfrm>
       </p:grpSpPr>
+      <p:pic>
+        <p:nvPicPr>
+          <p:cNvPr id="5" name="Content Placeholder 4">
+            <a:extLst>
+              <a:ext uri="{FF2B5EF4-FFF2-40B4-BE49-F238E27FC236}">
+                <a16:creationId xmlns:a16="http://schemas.microsoft.com/office/drawing/2014/main" id="{87F45382-9F54-4599-98E5-24F951968A0A}"/>
+              </a:ext>
+            </a:extLst>
+          </p:cNvPr>
+          <p:cNvPicPr>
+            <a:picLocks noGrp="1" noChangeAspect="1"/>
+          </p:cNvPicPr>
+          <p:nvPr>
+            <p:ph idx="1"/>
+          </p:nvPr>
+        </p:nvPicPr>
+        <p:blipFill>
+          <a:blip r:embed="rId2">
+            <a:extLst>
+              <a:ext uri="{28A0092B-C50C-407E-A947-70E740481C1C}">
+                <a14:useLocalDpi xmlns:a14="http://schemas.microsoft.com/office/drawing/2010/main" val="0"/>
+              </a:ext>
+            </a:extLst>
+          </a:blip>
+          <a:stretch>
+            <a:fillRect/>
+          </a:stretch>
+        </p:blipFill>
+        <p:spPr>
+          <a:xfrm>
+            <a:off x="353842" y="338238"/>
+            <a:ext cx="7873666" cy="2704899"/>
+          </a:xfrm>
+        </p:spPr>
+      </p:pic>
       <p:sp>
         <p:nvSpPr>
           <p:cNvPr id="2" name="Title 1">
             <a:extLst>
               <a:ext uri="{FF2B5EF4-FFF2-40B4-BE49-F238E27FC236}">
-                <a16:creationId xmlns:a16="http://schemas.microsoft.com/office/drawing/2014/main" id="{680F1AA7-AFB5-484E-9394-E06C173CC763}"/>
+                <a16:creationId xmlns:a16="http://schemas.microsoft.com/office/drawing/2014/main" id="{585941A7-88EF-48BE-BA65-1A059252DD2D}"/>
               </a:ext>
             </a:extLst>
           </p:cNvPr>
@@ -5751,62 +5735,100 @@
             <p:ph type="title"/>
           </p:nvPr>
         </p:nvSpPr>
-        <p:spPr/>
+        <p:spPr>
+          <a:xfrm>
+            <a:off x="838200" y="365124"/>
+            <a:ext cx="10515600" cy="1325563"/>
+          </a:xfrm>
+        </p:spPr>
         <p:txBody>
           <a:bodyPr/>
           <a:lstStyle/>
           <a:p>
+            <a:pPr algn="r"/>
             <a:r>
               <a:rPr lang="en-US" dirty="0"/>
-              <a:t>Upgrade</a:t>
-            </a:r>
-          </a:p>
-        </p:txBody>
-      </p:sp>
-      <p:sp>
-        <p:nvSpPr>
-          <p:cNvPr id="3" name="Content Placeholder 2">
-            <a:extLst>
-              <a:ext uri="{FF2B5EF4-FFF2-40B4-BE49-F238E27FC236}">
-                <a16:creationId xmlns:a16="http://schemas.microsoft.com/office/drawing/2014/main" id="{F1A3EC41-C84B-4665-A526-5F639F33FBF2}"/>
-              </a:ext>
-            </a:extLst>
-          </p:cNvPr>
-          <p:cNvSpPr>
-            <a:spLocks noGrp="1"/>
-          </p:cNvSpPr>
-          <p:nvPr>
-            <p:ph idx="1"/>
-          </p:nvPr>
-        </p:nvSpPr>
-        <p:spPr/>
-        <p:txBody>
-          <a:bodyPr/>
-          <a:lstStyle/>
-          <a:p>
-            <a:r>
-              <a:rPr lang="en-US" dirty="0"/>
-              <a:t>definition of next chemical substances</a:t>
-            </a:r>
-          </a:p>
-          <a:p>
-            <a:r>
-              <a:rPr lang="en-US" dirty="0"/>
-              <a:t>chemical kinetics</a:t>
-            </a:r>
-          </a:p>
-          <a:p>
-            <a:r>
-              <a:rPr lang="en-US" b="1" dirty="0"/>
-              <a:t>support of chemical pathways</a:t>
-            </a:r>
-          </a:p>
-        </p:txBody>
-      </p:sp>
+              <a:t>Example of usage (Chemical 2.0)</a:t>
+            </a:r>
+          </a:p>
+        </p:txBody>
+      </p:sp>
+      <p:pic>
+        <p:nvPicPr>
+          <p:cNvPr id="7" name="Picture 6">
+            <a:extLst>
+              <a:ext uri="{FF2B5EF4-FFF2-40B4-BE49-F238E27FC236}">
+                <a16:creationId xmlns:a16="http://schemas.microsoft.com/office/drawing/2014/main" id="{0495CF45-3286-442A-A729-A371A9FB698D}"/>
+              </a:ext>
+            </a:extLst>
+          </p:cNvPr>
+          <p:cNvPicPr>
+            <a:picLocks noChangeAspect="1"/>
+          </p:cNvPicPr>
+          <p:nvPr/>
+        </p:nvPicPr>
+        <p:blipFill>
+          <a:blip r:embed="rId3">
+            <a:extLst>
+              <a:ext uri="{28A0092B-C50C-407E-A947-70E740481C1C}">
+                <a14:useLocalDpi xmlns:a14="http://schemas.microsoft.com/office/drawing/2010/main" val="0"/>
+              </a:ext>
+            </a:extLst>
+          </a:blip>
+          <a:stretch>
+            <a:fillRect/>
+          </a:stretch>
+        </p:blipFill>
+        <p:spPr>
+          <a:xfrm>
+            <a:off x="6637181" y="2897203"/>
+            <a:ext cx="5114389" cy="3946359"/>
+          </a:xfrm>
+          <a:prstGeom prst="rect">
+            <a:avLst/>
+          </a:prstGeom>
+        </p:spPr>
+      </p:pic>
+      <p:pic>
+        <p:nvPicPr>
+          <p:cNvPr id="9" name="Picture 8">
+            <a:extLst>
+              <a:ext uri="{FF2B5EF4-FFF2-40B4-BE49-F238E27FC236}">
+                <a16:creationId xmlns:a16="http://schemas.microsoft.com/office/drawing/2014/main" id="{15FB7A9E-5262-4F53-A456-00073045326C}"/>
+              </a:ext>
+            </a:extLst>
+          </p:cNvPr>
+          <p:cNvPicPr>
+            <a:picLocks noChangeAspect="1"/>
+          </p:cNvPicPr>
+          <p:nvPr/>
+        </p:nvPicPr>
+        <p:blipFill>
+          <a:blip r:embed="rId4">
+            <a:extLst>
+              <a:ext uri="{28A0092B-C50C-407E-A947-70E740481C1C}">
+                <a14:useLocalDpi xmlns:a14="http://schemas.microsoft.com/office/drawing/2010/main" val="0"/>
+              </a:ext>
+            </a:extLst>
+          </a:blip>
+          <a:stretch>
+            <a:fillRect/>
+          </a:stretch>
+        </p:blipFill>
+        <p:spPr>
+          <a:xfrm>
+            <a:off x="973065" y="3524625"/>
+            <a:ext cx="4267400" cy="2704898"/>
+          </a:xfrm>
+          <a:prstGeom prst="rect">
+            <a:avLst/>
+          </a:prstGeom>
+        </p:spPr>
+      </p:pic>
     </p:spTree>
     <p:extLst>
       <p:ext uri="{BB962C8B-B14F-4D97-AF65-F5344CB8AC3E}">
-        <p14:creationId xmlns:p14="http://schemas.microsoft.com/office/powerpoint/2010/main" val="1584709444"/>
+        <p14:creationId xmlns:p14="http://schemas.microsoft.com/office/powerpoint/2010/main" val="294010427"/>
       </p:ext>
     </p:extLst>
   </p:cSld>
@@ -7420,8 +7442,8 @@
         </p:nvSpPr>
         <p:spPr>
           <a:xfrm>
-            <a:off x="4495800" y="3609787"/>
-            <a:ext cx="1600200" cy="653143"/>
+            <a:off x="4495799" y="3609787"/>
+            <a:ext cx="2097505" cy="653143"/>
           </a:xfrm>
           <a:prstGeom prst="wedgeEllipseCallout">
             <a:avLst>
@@ -7453,7 +7475,7 @@
             <a:pPr algn="ctr"/>
             <a:r>
               <a:rPr lang="en-US" dirty="0"/>
-              <a:t>stream</a:t>
+              <a:t>Input/output</a:t>
             </a:r>
           </a:p>
         </p:txBody>
@@ -7861,7 +7883,7 @@
         <p:spPr>
           <a:xfrm>
             <a:off x="4495800" y="3609787"/>
-            <a:ext cx="1600200" cy="653143"/>
+            <a:ext cx="2400300" cy="653143"/>
           </a:xfrm>
           <a:prstGeom prst="wedgeEllipseCallout">
             <a:avLst>
@@ -7893,7 +7915,7 @@
             <a:pPr algn="ctr"/>
             <a:r>
               <a:rPr lang="en-US" dirty="0"/>
-              <a:t>stream</a:t>
+              <a:t>Input/output</a:t>
             </a:r>
           </a:p>
         </p:txBody>
@@ -8103,47 +8125,37 @@
           <a:chExt cx="0" cy="0"/>
         </a:xfrm>
       </p:grpSpPr>
-      <p:pic>
-        <p:nvPicPr>
-          <p:cNvPr id="5" name="Content Placeholder 4">
-            <a:extLst>
-              <a:ext uri="{FF2B5EF4-FFF2-40B4-BE49-F238E27FC236}">
-                <a16:creationId xmlns:a16="http://schemas.microsoft.com/office/drawing/2014/main" id="{87F45382-9F54-4599-98E5-24F951968A0A}"/>
-              </a:ext>
-            </a:extLst>
-          </p:cNvPr>
-          <p:cNvPicPr>
-            <a:picLocks noGrp="1" noChangeAspect="1"/>
-          </p:cNvPicPr>
+      <p:sp>
+        <p:nvSpPr>
+          <p:cNvPr id="25" name="Content Placeholder 24">
+            <a:extLst>
+              <a:ext uri="{FF2B5EF4-FFF2-40B4-BE49-F238E27FC236}">
+                <a16:creationId xmlns:a16="http://schemas.microsoft.com/office/drawing/2014/main" id="{C59F6F08-D090-46F3-8B0D-C70EEEBFFB37}"/>
+              </a:ext>
+            </a:extLst>
+          </p:cNvPr>
+          <p:cNvSpPr>
+            <a:spLocks noGrp="1"/>
+          </p:cNvSpPr>
           <p:nvPr>
             <p:ph idx="1"/>
           </p:nvPr>
-        </p:nvPicPr>
-        <p:blipFill>
-          <a:blip r:embed="rId2">
-            <a:extLst>
-              <a:ext uri="{28A0092B-C50C-407E-A947-70E740481C1C}">
-                <a14:useLocalDpi xmlns:a14="http://schemas.microsoft.com/office/drawing/2010/main" val="0"/>
-              </a:ext>
-            </a:extLst>
-          </a:blip>
-          <a:stretch>
-            <a:fillRect/>
-          </a:stretch>
-        </p:blipFill>
-        <p:spPr>
-          <a:xfrm>
-            <a:off x="353842" y="338238"/>
-            <a:ext cx="7873666" cy="2704899"/>
-          </a:xfrm>
-        </p:spPr>
-      </p:pic>
+        </p:nvSpPr>
+        <p:spPr/>
+        <p:txBody>
+          <a:bodyPr/>
+          <a:lstStyle/>
+          <a:p>
+            <a:endParaRPr lang="en-US" dirty="0"/>
+          </a:p>
+        </p:txBody>
+      </p:sp>
       <p:sp>
         <p:nvSpPr>
           <p:cNvPr id="2" name="Title 1">
             <a:extLst>
               <a:ext uri="{FF2B5EF4-FFF2-40B4-BE49-F238E27FC236}">
-                <a16:creationId xmlns:a16="http://schemas.microsoft.com/office/drawing/2014/main" id="{585941A7-88EF-48BE-BA65-1A059252DD2D}"/>
+                <a16:creationId xmlns:a16="http://schemas.microsoft.com/office/drawing/2014/main" id="{EDBFF978-10D1-45A3-A1D9-6C4EC0FADC7C}"/>
               </a:ext>
             </a:extLst>
           </p:cNvPr>
@@ -8154,30 +8166,25 @@
             <p:ph type="title"/>
           </p:nvPr>
         </p:nvSpPr>
-        <p:spPr>
-          <a:xfrm>
-            <a:off x="838200" y="365124"/>
-            <a:ext cx="10515600" cy="1325563"/>
-          </a:xfrm>
-        </p:spPr>
+        <p:spPr/>
         <p:txBody>
           <a:bodyPr/>
           <a:lstStyle/>
           <a:p>
-            <a:pPr algn="r"/>
+            <a:pPr algn="ctr"/>
             <a:r>
               <a:rPr lang="en-US" dirty="0"/>
-              <a:t>Example of usage (Chemical 2.0)</a:t>
+              <a:t>Chemical kinetics (Chemical 2.0)</a:t>
             </a:r>
           </a:p>
         </p:txBody>
       </p:sp>
       <p:pic>
         <p:nvPicPr>
-          <p:cNvPr id="7" name="Picture 6">
-            <a:extLst>
-              <a:ext uri="{FF2B5EF4-FFF2-40B4-BE49-F238E27FC236}">
-                <a16:creationId xmlns:a16="http://schemas.microsoft.com/office/drawing/2014/main" id="{0495CF45-3286-442A-A729-A371A9FB698D}"/>
+          <p:cNvPr id="23" name="Picture 22">
+            <a:extLst>
+              <a:ext uri="{FF2B5EF4-FFF2-40B4-BE49-F238E27FC236}">
+                <a16:creationId xmlns:a16="http://schemas.microsoft.com/office/drawing/2014/main" id="{DB8B5FC7-4848-4CFE-BF03-EA73E45F1D4F}"/>
               </a:ext>
             </a:extLst>
           </p:cNvPr>
@@ -8187,7 +8194,7 @@
           <p:nvPr/>
         </p:nvPicPr>
         <p:blipFill>
-          <a:blip r:embed="rId3">
+          <a:blip r:embed="rId2">
             <a:extLst>
               <a:ext uri="{28A0092B-C50C-407E-A947-70E740481C1C}">
                 <a14:useLocalDpi xmlns:a14="http://schemas.microsoft.com/office/drawing/2010/main" val="0"/>
@@ -8200,8 +8207,8 @@
         </p:blipFill>
         <p:spPr>
           <a:xfrm>
-            <a:off x="6637181" y="2897203"/>
-            <a:ext cx="5114389" cy="3946359"/>
+            <a:off x="1447879" y="3971329"/>
+            <a:ext cx="9590314" cy="2059459"/>
           </a:xfrm>
           <a:prstGeom prst="rect">
             <a:avLst/>
@@ -8210,10 +8217,10 @@
       </p:pic>
       <p:pic>
         <p:nvPicPr>
-          <p:cNvPr id="9" name="Picture 8">
-            <a:extLst>
-              <a:ext uri="{FF2B5EF4-FFF2-40B4-BE49-F238E27FC236}">
-                <a16:creationId xmlns:a16="http://schemas.microsoft.com/office/drawing/2014/main" id="{15FB7A9E-5262-4F53-A456-00073045326C}"/>
+          <p:cNvPr id="27" name="Picture 26">
+            <a:extLst>
+              <a:ext uri="{FF2B5EF4-FFF2-40B4-BE49-F238E27FC236}">
+                <a16:creationId xmlns:a16="http://schemas.microsoft.com/office/drawing/2014/main" id="{06B6D088-801E-4AC9-9FF7-C187F3CC3E61}"/>
               </a:ext>
             </a:extLst>
           </p:cNvPr>
@@ -8223,21 +8230,15 @@
           <p:nvPr/>
         </p:nvPicPr>
         <p:blipFill>
-          <a:blip r:embed="rId4">
-            <a:extLst>
-              <a:ext uri="{28A0092B-C50C-407E-A947-70E740481C1C}">
-                <a14:useLocalDpi xmlns:a14="http://schemas.microsoft.com/office/drawing/2010/main" val="0"/>
-              </a:ext>
-            </a:extLst>
-          </a:blip>
+          <a:blip r:embed="rId3"/>
           <a:stretch>
             <a:fillRect/>
           </a:stretch>
         </p:blipFill>
         <p:spPr>
           <a:xfrm>
-            <a:off x="973065" y="3524625"/>
-            <a:ext cx="4267400" cy="2704898"/>
+            <a:off x="1447879" y="1879160"/>
+            <a:ext cx="8621328" cy="1019317"/>
           </a:xfrm>
           <a:prstGeom prst="rect">
             <a:avLst/>
@@ -8247,7 +8248,7 @@
     </p:spTree>
     <p:extLst>
       <p:ext uri="{BB962C8B-B14F-4D97-AF65-F5344CB8AC3E}">
-        <p14:creationId xmlns:p14="http://schemas.microsoft.com/office/powerpoint/2010/main" val="294010427"/>
+        <p14:creationId xmlns:p14="http://schemas.microsoft.com/office/powerpoint/2010/main" val="4277758988"/>
       </p:ext>
     </p:extLst>
   </p:cSld>
@@ -8258,6 +8259,104 @@
 </file>
 
 <file path=ppt/slides/slide22.xml><?xml version="1.0" encoding="utf-8"?>
+<p:sld xmlns:a="http://schemas.openxmlformats.org/drawingml/2006/main" xmlns:r="http://schemas.openxmlformats.org/officeDocument/2006/relationships" xmlns:p="http://schemas.openxmlformats.org/presentationml/2006/main">
+  <p:cSld>
+    <p:spTree>
+      <p:nvGrpSpPr>
+        <p:cNvPr id="1" name=""/>
+        <p:cNvGrpSpPr/>
+        <p:nvPr/>
+      </p:nvGrpSpPr>
+      <p:grpSpPr>
+        <a:xfrm>
+          <a:off x="0" y="0"/>
+          <a:ext cx="0" cy="0"/>
+          <a:chOff x="0" y="0"/>
+          <a:chExt cx="0" cy="0"/>
+        </a:xfrm>
+      </p:grpSpPr>
+      <p:sp>
+        <p:nvSpPr>
+          <p:cNvPr id="2" name="Title 1">
+            <a:extLst>
+              <a:ext uri="{FF2B5EF4-FFF2-40B4-BE49-F238E27FC236}">
+                <a16:creationId xmlns:a16="http://schemas.microsoft.com/office/drawing/2014/main" id="{680F1AA7-AFB5-484E-9394-E06C173CC763}"/>
+              </a:ext>
+            </a:extLst>
+          </p:cNvPr>
+          <p:cNvSpPr>
+            <a:spLocks noGrp="1"/>
+          </p:cNvSpPr>
+          <p:nvPr>
+            <p:ph type="title"/>
+          </p:nvPr>
+        </p:nvSpPr>
+        <p:spPr/>
+        <p:txBody>
+          <a:bodyPr/>
+          <a:lstStyle/>
+          <a:p>
+            <a:r>
+              <a:rPr lang="en-US" dirty="0"/>
+              <a:t>Conclusion - upgrade Chemical 1.4 -&gt; 2.0</a:t>
+            </a:r>
+          </a:p>
+        </p:txBody>
+      </p:sp>
+      <p:sp>
+        <p:nvSpPr>
+          <p:cNvPr id="3" name="Content Placeholder 2">
+            <a:extLst>
+              <a:ext uri="{FF2B5EF4-FFF2-40B4-BE49-F238E27FC236}">
+                <a16:creationId xmlns:a16="http://schemas.microsoft.com/office/drawing/2014/main" id="{F1A3EC41-C84B-4665-A526-5F639F33FBF2}"/>
+              </a:ext>
+            </a:extLst>
+          </p:cNvPr>
+          <p:cNvSpPr>
+            <a:spLocks noGrp="1"/>
+          </p:cNvSpPr>
+          <p:nvPr>
+            <p:ph idx="1"/>
+          </p:nvPr>
+        </p:nvSpPr>
+        <p:spPr/>
+        <p:txBody>
+          <a:bodyPr/>
+          <a:lstStyle/>
+          <a:p>
+            <a:r>
+              <a:rPr lang="en-US" dirty="0"/>
+              <a:t>definition of substances/processes</a:t>
+            </a:r>
+          </a:p>
+          <a:p>
+            <a:r>
+              <a:rPr lang="en-US" dirty="0"/>
+              <a:t>chemical kinetics</a:t>
+            </a:r>
+          </a:p>
+          <a:p>
+            <a:r>
+              <a:rPr lang="en-US" dirty="0"/>
+              <a:t>support of chemical pathways</a:t>
+            </a:r>
+          </a:p>
+        </p:txBody>
+      </p:sp>
+    </p:spTree>
+    <p:extLst>
+      <p:ext uri="{BB962C8B-B14F-4D97-AF65-F5344CB8AC3E}">
+        <p14:creationId xmlns:p14="http://schemas.microsoft.com/office/powerpoint/2010/main" val="4104766465"/>
+      </p:ext>
+    </p:extLst>
+  </p:cSld>
+  <p:clrMapOvr>
+    <a:masterClrMapping/>
+  </p:clrMapOvr>
+</p:sld>
+</file>
+
+<file path=ppt/slides/slide23.xml><?xml version="1.0" encoding="utf-8"?>
 <p:sld xmlns:a="http://schemas.openxmlformats.org/drawingml/2006/main" xmlns:r="http://schemas.openxmlformats.org/officeDocument/2006/relationships" xmlns:p="http://schemas.openxmlformats.org/presentationml/2006/main">
   <p:cSld>
     <p:spTree>
@@ -8594,7 +8693,7 @@
           <a:p>
             <a:r>
               <a:rPr lang="en-US" b="1" dirty="0"/>
-              <a:t>definition of next chemical substances</a:t>
+              <a:t>definition of substances/processes</a:t>
             </a:r>
           </a:p>
           <a:p>
